--- a/Dokumentáció/comproller.pptx
+++ b/Dokumentáció/comproller.pptx
@@ -276,7 +276,7 @@
           <a:p>
             <a:fld id="{D62783B0-BB51-4185-AB58-5177DC089F26}" type="datetimeFigureOut">
               <a:rPr lang="hu-HU" smtClean="0"/>
-              <a:t>2025. 04. 08.</a:t>
+              <a:t>2025. 04. 09.</a:t>
             </a:fld>
             <a:endParaRPr lang="hu-HU"/>
           </a:p>
@@ -474,7 +474,7 @@
           <a:p>
             <a:fld id="{D62783B0-BB51-4185-AB58-5177DC089F26}" type="datetimeFigureOut">
               <a:rPr lang="hu-HU" smtClean="0"/>
-              <a:t>2025. 04. 08.</a:t>
+              <a:t>2025. 04. 09.</a:t>
             </a:fld>
             <a:endParaRPr lang="hu-HU"/>
           </a:p>
@@ -682,7 +682,7 @@
           <a:p>
             <a:fld id="{D62783B0-BB51-4185-AB58-5177DC089F26}" type="datetimeFigureOut">
               <a:rPr lang="hu-HU" smtClean="0"/>
-              <a:t>2025. 04. 08.</a:t>
+              <a:t>2025. 04. 09.</a:t>
             </a:fld>
             <a:endParaRPr lang="hu-HU"/>
           </a:p>
@@ -880,7 +880,7 @@
           <a:p>
             <a:fld id="{D62783B0-BB51-4185-AB58-5177DC089F26}" type="datetimeFigureOut">
               <a:rPr lang="hu-HU" smtClean="0"/>
-              <a:t>2025. 04. 08.</a:t>
+              <a:t>2025. 04. 09.</a:t>
             </a:fld>
             <a:endParaRPr lang="hu-HU"/>
           </a:p>
@@ -1155,7 +1155,7 @@
           <a:p>
             <a:fld id="{D62783B0-BB51-4185-AB58-5177DC089F26}" type="datetimeFigureOut">
               <a:rPr lang="hu-HU" smtClean="0"/>
-              <a:t>2025. 04. 08.</a:t>
+              <a:t>2025. 04. 09.</a:t>
             </a:fld>
             <a:endParaRPr lang="hu-HU"/>
           </a:p>
@@ -1420,7 +1420,7 @@
           <a:p>
             <a:fld id="{D62783B0-BB51-4185-AB58-5177DC089F26}" type="datetimeFigureOut">
               <a:rPr lang="hu-HU" smtClean="0"/>
-              <a:t>2025. 04. 08.</a:t>
+              <a:t>2025. 04. 09.</a:t>
             </a:fld>
             <a:endParaRPr lang="hu-HU"/>
           </a:p>
@@ -1832,7 +1832,7 @@
           <a:p>
             <a:fld id="{D62783B0-BB51-4185-AB58-5177DC089F26}" type="datetimeFigureOut">
               <a:rPr lang="hu-HU" smtClean="0"/>
-              <a:t>2025. 04. 08.</a:t>
+              <a:t>2025. 04. 09.</a:t>
             </a:fld>
             <a:endParaRPr lang="hu-HU"/>
           </a:p>
@@ -1973,7 +1973,7 @@
           <a:p>
             <a:fld id="{D62783B0-BB51-4185-AB58-5177DC089F26}" type="datetimeFigureOut">
               <a:rPr lang="hu-HU" smtClean="0"/>
-              <a:t>2025. 04. 08.</a:t>
+              <a:t>2025. 04. 09.</a:t>
             </a:fld>
             <a:endParaRPr lang="hu-HU"/>
           </a:p>
@@ -2086,7 +2086,7 @@
           <a:p>
             <a:fld id="{D62783B0-BB51-4185-AB58-5177DC089F26}" type="datetimeFigureOut">
               <a:rPr lang="hu-HU" smtClean="0"/>
-              <a:t>2025. 04. 08.</a:t>
+              <a:t>2025. 04. 09.</a:t>
             </a:fld>
             <a:endParaRPr lang="hu-HU"/>
           </a:p>
@@ -2397,7 +2397,7 @@
           <a:p>
             <a:fld id="{D62783B0-BB51-4185-AB58-5177DC089F26}" type="datetimeFigureOut">
               <a:rPr lang="hu-HU" smtClean="0"/>
-              <a:t>2025. 04. 08.</a:t>
+              <a:t>2025. 04. 09.</a:t>
             </a:fld>
             <a:endParaRPr lang="hu-HU"/>
           </a:p>
@@ -2685,7 +2685,7 @@
           <a:p>
             <a:fld id="{D62783B0-BB51-4185-AB58-5177DC089F26}" type="datetimeFigureOut">
               <a:rPr lang="hu-HU" smtClean="0"/>
-              <a:t>2025. 04. 08.</a:t>
+              <a:t>2025. 04. 09.</a:t>
             </a:fld>
             <a:endParaRPr lang="hu-HU"/>
           </a:p>
@@ -2926,7 +2926,7 @@
           <a:p>
             <a:fld id="{D62783B0-BB51-4185-AB58-5177DC089F26}" type="datetimeFigureOut">
               <a:rPr lang="hu-HU" smtClean="0"/>
-              <a:t>2025. 04. 08.</a:t>
+              <a:t>2025. 04. 09.</a:t>
             </a:fld>
             <a:endParaRPr lang="hu-HU"/>
           </a:p>
@@ -3882,6 +3882,7 @@
           </a:bodyPr>
           <a:lstStyle/>
           <a:p>
+            <a:pPr algn="just"/>
             <a:r>
               <a:rPr lang="hu-HU" sz="2800" dirty="0">
                 <a:solidFill>
@@ -3894,6 +3895,7 @@
             </a:r>
           </a:p>
           <a:p>
+            <a:pPr algn="just"/>
             <a:r>
               <a:rPr lang="hu-HU" sz="2800" dirty="0">
                 <a:solidFill>
@@ -3924,7 +3926,7 @@
         <p:spPr>
           <a:xfrm>
             <a:off x="964811" y="1323922"/>
-            <a:ext cx="4284522" cy="0"/>
+            <a:ext cx="4899094" cy="0"/>
           </a:xfrm>
           <a:prstGeom prst="line">
             <a:avLst/>
@@ -3982,9 +3984,7 @@
           <a:prstGeom prst="rect">
             <a:avLst/>
           </a:prstGeom>
-          <a:effectLst>
-            <a:reflection blurRad="6350" stA="52000" endA="300" endPos="35000" dir="5400000" sy="-100000" algn="bl" rotWithShape="0"/>
-          </a:effectLst>
+          <a:effectLst/>
         </p:spPr>
       </p:pic>
     </p:spTree>
@@ -4206,15 +4206,13 @@
         </p:blipFill>
         <p:spPr>
           <a:xfrm>
-            <a:off x="6311682" y="453604"/>
+            <a:off x="6311682" y="851482"/>
             <a:ext cx="5363659" cy="5155035"/>
           </a:xfrm>
           <a:prstGeom prst="rect">
             <a:avLst/>
           </a:prstGeom>
-          <a:effectLst>
-            <a:reflection blurRad="6350" stA="52000" endA="300" endPos="35000" dir="5400000" sy="-100000" algn="bl" rotWithShape="0"/>
-          </a:effectLst>
+          <a:effectLst/>
         </p:spPr>
       </p:pic>
     </p:spTree>
@@ -4434,22 +4432,25 @@
           </p:cNvPicPr>
           <p:nvPr/>
         </p:nvPicPr>
-        <p:blipFill>
+        <p:blipFill rotWithShape="1">
           <a:blip r:embed="rId2"/>
-          <a:stretch>
-            <a:fillRect/>
-          </a:stretch>
+          <a:srcRect r="-1031" b="4782"/>
+          <a:stretch/>
         </p:blipFill>
         <p:spPr>
           <a:xfrm>
-            <a:off x="5632173" y="1546112"/>
-            <a:ext cx="6108119" cy="3213101"/>
+            <a:off x="5632172" y="1546112"/>
+            <a:ext cx="6171137" cy="3059437"/>
           </a:xfrm>
           <a:prstGeom prst="rect">
             <a:avLst/>
           </a:prstGeom>
           <a:effectLst>
-            <a:reflection blurRad="6350" stA="52000" endA="300" endPos="35000" dir="5400000" sy="-100000" algn="bl" rotWithShape="0"/>
+            <a:outerShdw blurRad="685800" dir="13500000" algn="br" rotWithShape="0">
+              <a:prstClr val="black">
+                <a:alpha val="40000"/>
+              </a:prstClr>
+            </a:outerShdw>
           </a:effectLst>
         </p:spPr>
       </p:pic>
@@ -4576,7 +4577,7 @@
         <p:spPr>
           <a:xfrm>
             <a:off x="658744" y="1682291"/>
-            <a:ext cx="4343400" cy="4524315"/>
+            <a:ext cx="4343400" cy="3046988"/>
           </a:xfrm>
           <a:prstGeom prst="rect">
             <a:avLst/>
@@ -4596,10 +4597,38 @@
                   </a:schemeClr>
                 </a:solidFill>
               </a:rPr>
-              <a:t>A kamera segítségével tudjuk beolvasni a dolgozónak létrehozott qrcode-ot.</a:t>
-            </a:r>
-          </a:p>
-          <a:p>
+              <a:t>A kamera segítségével tudjuk beolvasni a dolgozónak létrehozott </a:t>
+            </a:r>
+            <a:r>
+              <a:rPr lang="hu-HU" sz="3200" dirty="0" err="1">
+                <a:solidFill>
+                  <a:schemeClr val="accent1">
+                    <a:lumMod val="50000"/>
+                  </a:schemeClr>
+                </a:solidFill>
+              </a:rPr>
+              <a:t>qrcode</a:t>
+            </a:r>
+            <a:r>
+              <a:rPr lang="hu-HU" sz="3200" dirty="0">
+                <a:solidFill>
+                  <a:schemeClr val="accent1">
+                    <a:lumMod val="50000"/>
+                  </a:schemeClr>
+                </a:solidFill>
+              </a:rPr>
+              <a:t>-ot amellyel a dolgozó rögzítheti be- és </a:t>
+            </a:r>
+            <a:r>
+              <a:rPr lang="hu-HU" sz="3200">
+                <a:solidFill>
+                  <a:schemeClr val="accent1">
+                    <a:lumMod val="50000"/>
+                  </a:schemeClr>
+                </a:solidFill>
+              </a:rPr>
+              <a:t>ki csekkolását.</a:t>
+            </a:r>
             <a:endParaRPr lang="hu-HU" sz="3200" dirty="0">
               <a:solidFill>
                 <a:schemeClr val="accent1">
@@ -4607,18 +4636,6 @@
                 </a:schemeClr>
               </a:solidFill>
             </a:endParaRPr>
-          </a:p>
-          <a:p>
-            <a:r>
-              <a:rPr lang="hu-HU" sz="3200" dirty="0">
-                <a:solidFill>
-                  <a:schemeClr val="accent1">
-                    <a:lumMod val="50000"/>
-                  </a:schemeClr>
-                </a:solidFill>
-              </a:rPr>
-              <a:t>A qrcode beolvasása után a rendszer beírja az adott illetőhöz az adatokat.</a:t>
-            </a:r>
           </a:p>
         </p:txBody>
       </p:sp>
@@ -6694,7 +6711,7 @@
         <p:spPr>
           <a:xfrm>
             <a:off x="964733" y="1442906"/>
-            <a:ext cx="5707000" cy="0"/>
+            <a:ext cx="6400801" cy="0"/>
           </a:xfrm>
           <a:prstGeom prst="line">
             <a:avLst/>
@@ -7641,10 +7658,10 @@
       </p:cxnSp>
       <p:pic>
         <p:nvPicPr>
-          <p:cNvPr id="6" name="Picture 5">
-            <a:extLst>
-              <a:ext uri="{FF2B5EF4-FFF2-40B4-BE49-F238E27FC236}">
-                <a16:creationId xmlns:a16="http://schemas.microsoft.com/office/drawing/2014/main" id="{82663338-FD37-AF41-F6E2-32CAF6DA0369}"/>
+          <p:cNvPr id="4" name="Picture 3">
+            <a:extLst>
+              <a:ext uri="{FF2B5EF4-FFF2-40B4-BE49-F238E27FC236}">
+                <a16:creationId xmlns:a16="http://schemas.microsoft.com/office/drawing/2014/main" id="{FB7BAD09-D475-4398-3577-188A57F87BE8}"/>
               </a:ext>
             </a:extLst>
           </p:cNvPr>
@@ -7661,8 +7678,8 @@
         </p:blipFill>
         <p:spPr>
           <a:xfrm>
-            <a:off x="4648657" y="1442906"/>
-            <a:ext cx="7105029" cy="3041209"/>
+            <a:off x="4648656" y="1101850"/>
+            <a:ext cx="7382069" cy="4313994"/>
           </a:xfrm>
           <a:prstGeom prst="rect">
             <a:avLst/>

--- a/Dokumentáció/comproller.pptx
+++ b/Dokumentáció/comproller.pptx
@@ -6650,44 +6650,8 @@
         </p:blipFill>
         <p:spPr>
           <a:xfrm>
-            <a:off x="8483070" y="879184"/>
+            <a:off x="8483069" y="725361"/>
             <a:ext cx="2744197" cy="2549816"/>
-          </a:xfrm>
-          <a:prstGeom prst="rect">
-            <a:avLst/>
-          </a:prstGeom>
-        </p:spPr>
-      </p:pic>
-      <p:pic>
-        <p:nvPicPr>
-          <p:cNvPr id="10" name="Kép 9">
-            <a:extLst>
-              <a:ext uri="{FF2B5EF4-FFF2-40B4-BE49-F238E27FC236}">
-                <a16:creationId xmlns:a16="http://schemas.microsoft.com/office/drawing/2014/main" id="{C450099D-B0FC-4C16-8726-F76537287648}"/>
-              </a:ext>
-            </a:extLst>
-          </p:cNvPr>
-          <p:cNvPicPr>
-            <a:picLocks noChangeAspect="1"/>
-          </p:cNvPicPr>
-          <p:nvPr/>
-        </p:nvPicPr>
-        <p:blipFill>
-          <a:blip r:embed="rId3">
-            <a:extLst>
-              <a:ext uri="{28A0092B-C50C-407E-A947-70E740481C1C}">
-                <a14:useLocalDpi xmlns:a14="http://schemas.microsoft.com/office/drawing/2010/main" val="0"/>
-              </a:ext>
-            </a:extLst>
-          </a:blip>
-          <a:stretch>
-            <a:fillRect/>
-          </a:stretch>
-        </p:blipFill>
-        <p:spPr>
-          <a:xfrm>
-            <a:off x="8483070" y="3739141"/>
-            <a:ext cx="2744197" cy="2767257"/>
           </a:xfrm>
           <a:prstGeom prst="rect">
             <a:avLst/>
@@ -6741,6 +6705,36 @@
           </a:fontRef>
         </p:style>
       </p:cxnSp>
+      <p:pic>
+        <p:nvPicPr>
+          <p:cNvPr id="4" name="Picture 3">
+            <a:extLst>
+              <a:ext uri="{FF2B5EF4-FFF2-40B4-BE49-F238E27FC236}">
+                <a16:creationId xmlns:a16="http://schemas.microsoft.com/office/drawing/2014/main" id="{8CAFA288-61DD-B496-D658-C3FFE2C4E783}"/>
+              </a:ext>
+            </a:extLst>
+          </p:cNvPr>
+          <p:cNvPicPr>
+            <a:picLocks noChangeAspect="1"/>
+          </p:cNvPicPr>
+          <p:nvPr/>
+        </p:nvPicPr>
+        <p:blipFill>
+          <a:blip r:embed="rId3"/>
+          <a:stretch>
+            <a:fillRect/>
+          </a:stretch>
+        </p:blipFill>
+        <p:spPr>
+          <a:xfrm>
+            <a:off x="8483069" y="3429000"/>
+            <a:ext cx="2744196" cy="2952259"/>
+          </a:xfrm>
+          <a:prstGeom prst="rect">
+            <a:avLst/>
+          </a:prstGeom>
+        </p:spPr>
+      </p:pic>
     </p:spTree>
     <p:extLst>
       <p:ext uri="{BB962C8B-B14F-4D97-AF65-F5344CB8AC3E}">

--- a/Dokumentáció/comproller.pptx
+++ b/Dokumentáció/comproller.pptx
@@ -276,7 +276,7 @@
           <a:p>
             <a:fld id="{D62783B0-BB51-4185-AB58-5177DC089F26}" type="datetimeFigureOut">
               <a:rPr lang="hu-HU" smtClean="0"/>
-              <a:t>2025. 04. 09.</a:t>
+              <a:t>2025. 04. 10.</a:t>
             </a:fld>
             <a:endParaRPr lang="hu-HU"/>
           </a:p>
@@ -474,7 +474,7 @@
           <a:p>
             <a:fld id="{D62783B0-BB51-4185-AB58-5177DC089F26}" type="datetimeFigureOut">
               <a:rPr lang="hu-HU" smtClean="0"/>
-              <a:t>2025. 04. 09.</a:t>
+              <a:t>2025. 04. 10.</a:t>
             </a:fld>
             <a:endParaRPr lang="hu-HU"/>
           </a:p>
@@ -682,7 +682,7 @@
           <a:p>
             <a:fld id="{D62783B0-BB51-4185-AB58-5177DC089F26}" type="datetimeFigureOut">
               <a:rPr lang="hu-HU" smtClean="0"/>
-              <a:t>2025. 04. 09.</a:t>
+              <a:t>2025. 04. 10.</a:t>
             </a:fld>
             <a:endParaRPr lang="hu-HU"/>
           </a:p>
@@ -880,7 +880,7 @@
           <a:p>
             <a:fld id="{D62783B0-BB51-4185-AB58-5177DC089F26}" type="datetimeFigureOut">
               <a:rPr lang="hu-HU" smtClean="0"/>
-              <a:t>2025. 04. 09.</a:t>
+              <a:t>2025. 04. 10.</a:t>
             </a:fld>
             <a:endParaRPr lang="hu-HU"/>
           </a:p>
@@ -1155,7 +1155,7 @@
           <a:p>
             <a:fld id="{D62783B0-BB51-4185-AB58-5177DC089F26}" type="datetimeFigureOut">
               <a:rPr lang="hu-HU" smtClean="0"/>
-              <a:t>2025. 04. 09.</a:t>
+              <a:t>2025. 04. 10.</a:t>
             </a:fld>
             <a:endParaRPr lang="hu-HU"/>
           </a:p>
@@ -1420,7 +1420,7 @@
           <a:p>
             <a:fld id="{D62783B0-BB51-4185-AB58-5177DC089F26}" type="datetimeFigureOut">
               <a:rPr lang="hu-HU" smtClean="0"/>
-              <a:t>2025. 04. 09.</a:t>
+              <a:t>2025. 04. 10.</a:t>
             </a:fld>
             <a:endParaRPr lang="hu-HU"/>
           </a:p>
@@ -1832,7 +1832,7 @@
           <a:p>
             <a:fld id="{D62783B0-BB51-4185-AB58-5177DC089F26}" type="datetimeFigureOut">
               <a:rPr lang="hu-HU" smtClean="0"/>
-              <a:t>2025. 04. 09.</a:t>
+              <a:t>2025. 04. 10.</a:t>
             </a:fld>
             <a:endParaRPr lang="hu-HU"/>
           </a:p>
@@ -1973,7 +1973,7 @@
           <a:p>
             <a:fld id="{D62783B0-BB51-4185-AB58-5177DC089F26}" type="datetimeFigureOut">
               <a:rPr lang="hu-HU" smtClean="0"/>
-              <a:t>2025. 04. 09.</a:t>
+              <a:t>2025. 04. 10.</a:t>
             </a:fld>
             <a:endParaRPr lang="hu-HU"/>
           </a:p>
@@ -2086,7 +2086,7 @@
           <a:p>
             <a:fld id="{D62783B0-BB51-4185-AB58-5177DC089F26}" type="datetimeFigureOut">
               <a:rPr lang="hu-HU" smtClean="0"/>
-              <a:t>2025. 04. 09.</a:t>
+              <a:t>2025. 04. 10.</a:t>
             </a:fld>
             <a:endParaRPr lang="hu-HU"/>
           </a:p>
@@ -2397,7 +2397,7 @@
           <a:p>
             <a:fld id="{D62783B0-BB51-4185-AB58-5177DC089F26}" type="datetimeFigureOut">
               <a:rPr lang="hu-HU" smtClean="0"/>
-              <a:t>2025. 04. 09.</a:t>
+              <a:t>2025. 04. 10.</a:t>
             </a:fld>
             <a:endParaRPr lang="hu-HU"/>
           </a:p>
@@ -2685,7 +2685,7 @@
           <a:p>
             <a:fld id="{D62783B0-BB51-4185-AB58-5177DC089F26}" type="datetimeFigureOut">
               <a:rPr lang="hu-HU" smtClean="0"/>
-              <a:t>2025. 04. 09.</a:t>
+              <a:t>2025. 04. 10.</a:t>
             </a:fld>
             <a:endParaRPr lang="hu-HU"/>
           </a:p>
@@ -2926,7 +2926,7 @@
           <a:p>
             <a:fld id="{D62783B0-BB51-4185-AB58-5177DC089F26}" type="datetimeFigureOut">
               <a:rPr lang="hu-HU" smtClean="0"/>
-              <a:t>2025. 04. 09.</a:t>
+              <a:t>2025. 04. 10.</a:t>
             </a:fld>
             <a:endParaRPr lang="hu-HU"/>
           </a:p>
@@ -3904,7 +3904,7 @@
                   </a:schemeClr>
                 </a:solidFill>
               </a:rPr>
-              <a:t>Ebbe a táblázatba benne van a dolgozó neve meg hogy mikor kezdte a munkát és mikor távozott. </a:t>
+              <a:t>Ebbe a táblázatba benne van a dolgozó neve meg, hogy mikor kezdte a munkát és mikor távozott. </a:t>
             </a:r>
           </a:p>
         </p:txBody>
@@ -3984,7 +3984,11 @@
           <a:prstGeom prst="rect">
             <a:avLst/>
           </a:prstGeom>
-          <a:effectLst/>
+          <a:effectLst>
+            <a:outerShdw blurRad="342900" dist="50800" dir="5400000" algn="ctr" rotWithShape="0">
+              <a:srgbClr val="000000"/>
+            </a:outerShdw>
+          </a:effectLst>
         </p:spPr>
       </p:pic>
     </p:spTree>
@@ -4212,7 +4216,13 @@
           <a:prstGeom prst="rect">
             <a:avLst/>
           </a:prstGeom>
-          <a:effectLst/>
+          <a:effectLst>
+            <a:outerShdw blurRad="1270000" dir="13500000" sx="102000" sy="102000" algn="br" rotWithShape="0">
+              <a:prstClr val="black">
+                <a:alpha val="40000"/>
+              </a:prstClr>
+            </a:outerShdw>
+          </a:effectLst>
         </p:spPr>
       </p:pic>
     </p:spTree>
@@ -5054,7 +5064,7 @@
                 <a:latin typeface="Arial" panose="020B0604020202020204" pitchFamily="34" charset="0"/>
                 <a:cs typeface="Arial" panose="020B0604020202020204" pitchFamily="34" charset="0"/>
               </a:rPr>
-              <a:t>404 és 419 oldal</a:t>
+              <a:t>404 és 419-es oldal</a:t>
             </a:r>
           </a:p>
         </p:txBody>
@@ -5094,7 +5104,7 @@
                   </a:schemeClr>
                 </a:solidFill>
               </a:rPr>
-              <a:t>Van 404 és 419 hiba oldalunk is, szükség esetén.</a:t>
+              <a:t>Van egy 404 és 419 hiba oldalunk is, szükség esetén.</a:t>
             </a:r>
           </a:p>
         </p:txBody>
@@ -5155,7 +5165,7 @@
         <p:spPr>
           <a:xfrm>
             <a:off x="997727" y="1776848"/>
-            <a:ext cx="3557181" cy="0"/>
+            <a:ext cx="4202923" cy="0"/>
           </a:xfrm>
           <a:prstGeom prst="line">
             <a:avLst/>
@@ -5456,27 +5466,7 @@
                   </a:schemeClr>
                 </a:solidFill>
               </a:rPr>
-              <a:t>-</a:t>
-            </a:r>
-            <a:r>
-              <a:rPr lang="hu-HU" sz="3200">
-                <a:solidFill>
-                  <a:schemeClr val="accent1">
-                    <a:lumMod val="50000"/>
-                  </a:schemeClr>
-                </a:solidFill>
-              </a:rPr>
-              <a:t>Bérlap készítő </a:t>
-            </a:r>
-            <a:r>
-              <a:rPr lang="hu-HU" sz="3200" dirty="0">
-                <a:solidFill>
-                  <a:schemeClr val="accent1">
-                    <a:lumMod val="50000"/>
-                  </a:schemeClr>
-                </a:solidFill>
-              </a:rPr>
-              <a:t>funkció.</a:t>
+              <a:t>-Bérlap készítő funkció.</a:t>
             </a:r>
           </a:p>
         </p:txBody>
@@ -5931,7 +5921,13 @@
           <a:lstStyle/>
           <a:p>
             <a:r>
-              <a:rPr lang="hu-HU" b="1" i="1" dirty="0"/>
+              <a:rPr lang="hu-HU" b="1" dirty="0">
+                <a:solidFill>
+                  <a:schemeClr val="bg1"/>
+                </a:solidFill>
+                <a:latin typeface="Arial" panose="020B0604020202020204" pitchFamily="34" charset="0"/>
+                <a:cs typeface="Arial" panose="020B0604020202020204" pitchFamily="34" charset="0"/>
+              </a:rPr>
               <a:t>Köszönjük a figyelmet!</a:t>
             </a:r>
           </a:p>
@@ -7343,7 +7339,7 @@
         <p:spPr>
           <a:xfrm>
             <a:off x="838200" y="2049805"/>
-            <a:ext cx="4152544" cy="3539430"/>
+            <a:ext cx="4152544" cy="4031873"/>
           </a:xfrm>
           <a:prstGeom prst="rect">
             <a:avLst/>
@@ -7363,7 +7359,7 @@
                   </a:schemeClr>
                 </a:solidFill>
               </a:rPr>
-              <a:t>Ezen az oldalon lehet adatokat módosítani például email címet vagy esetleg jelszót de ha a fiókot már nem használjuk akkor azt is lehet törölni. </a:t>
+              <a:t>Ezen az oldalon lehet adatokat módosítani például email címet vagy esetleg jelszót de ha a fiókot már nem használjuk akkor azt lehet véglegesen törölni. </a:t>
             </a:r>
           </a:p>
         </p:txBody>
